--- a/Project Interim Submission/updatePrivate Cloud Setup with User Storage Management.pptx
+++ b/Project Interim Submission/updatePrivate Cloud Setup with User Storage Management.pptx
@@ -8,6 +8,7 @@
     <p:sldId id="257" r:id="rId2"/>
     <p:sldId id="256" r:id="rId3"/>
     <p:sldId id="258" r:id="rId4"/>
+    <p:sldId id="259" r:id="rId5"/>
   </p:sldIdLst>
   <p:sldSz cx="9144000" cy="6858000" type="screen4x3"/>
   <p:notesSz cx="6858000" cy="9144000"/>
@@ -3312,21 +3313,13 @@
           <a:p>
             <a:r>
               <a:rPr lang="en-US" dirty="0" smtClean="0"/>
-              <a:t>Cloud computing provides computing, storage and software resources as services to users on-demand over the Internet</a:t>
-            </a:r>
+              <a:t>Cloud computing provides computing, storage and software resources as services to users on-demand over the Internet.</a:t>
+            </a:r>
+          </a:p>
+          <a:p>
             <a:r>
               <a:rPr lang="en-US" dirty="0" smtClean="0"/>
-              <a:t>.</a:t>
-            </a:r>
-          </a:p>
-          <a:p>
-            <a:r>
-              <a:rPr lang="en-US" dirty="0" smtClean="0"/>
-              <a:t>Cloud computing has been increasingly gaining </a:t>
-            </a:r>
-            <a:r>
-              <a:rPr lang="en-US" dirty="0" smtClean="0"/>
-              <a:t>popularity.</a:t>
+              <a:t>Cloud computing has been increasingly gaining popularity.</a:t>
             </a:r>
           </a:p>
           <a:p>
@@ -3344,6 +3337,89 @@
           </a:p>
         </p:txBody>
       </p:sp>
+    </p:spTree>
+  </p:cSld>
+  <p:clrMapOvr>
+    <a:masterClrMapping/>
+  </p:clrMapOvr>
+</p:sld>
+</file>
+
+<file path=ppt/slides/slide4.xml><?xml version="1.0" encoding="utf-8"?>
+<p:sld xmlns:a="http://schemas.openxmlformats.org/drawingml/2006/main" xmlns:r="http://schemas.openxmlformats.org/officeDocument/2006/relationships" xmlns:p="http://schemas.openxmlformats.org/presentationml/2006/main">
+  <p:cSld>
+    <p:spTree>
+      <p:nvGrpSpPr>
+        <p:cNvPr id="1" name=""/>
+        <p:cNvGrpSpPr/>
+        <p:nvPr/>
+      </p:nvGrpSpPr>
+      <p:grpSpPr>
+        <a:xfrm>
+          <a:off x="0" y="0"/>
+          <a:ext cx="0" cy="0"/>
+          <a:chOff x="0" y="0"/>
+          <a:chExt cx="0" cy="0"/>
+        </a:xfrm>
+      </p:grpSpPr>
+      <p:sp>
+        <p:nvSpPr>
+          <p:cNvPr id="2" name="Title 1"/>
+          <p:cNvSpPr>
+            <a:spLocks noGrp="1"/>
+          </p:cNvSpPr>
+          <p:nvPr>
+            <p:ph type="title"/>
+          </p:nvPr>
+        </p:nvSpPr>
+        <p:spPr/>
+        <p:txBody>
+          <a:bodyPr/>
+          <a:lstStyle/>
+          <a:p>
+            <a:r>
+              <a:rPr lang="en-US" dirty="0" smtClean="0"/>
+              <a:t>Cloud Computing Architecture </a:t>
+            </a:r>
+            <a:endParaRPr lang="en-US" dirty="0"/>
+          </a:p>
+        </p:txBody>
+      </p:sp>
+      <p:pic>
+        <p:nvPicPr>
+          <p:cNvPr id="1026" name="Picture 2"/>
+          <p:cNvPicPr>
+            <a:picLocks noGrp="1" noChangeAspect="1" noChangeArrowheads="1"/>
+          </p:cNvPicPr>
+          <p:nvPr>
+            <p:ph idx="1"/>
+          </p:nvPr>
+        </p:nvPicPr>
+        <p:blipFill>
+          <a:blip r:embed="rId2"/>
+          <a:srcRect/>
+          <a:stretch>
+            <a:fillRect/>
+          </a:stretch>
+        </p:blipFill>
+        <p:spPr bwMode="auto">
+          <a:xfrm>
+            <a:off x="626063" y="1600200"/>
+            <a:ext cx="7891873" cy="4525963"/>
+          </a:xfrm>
+          <a:prstGeom prst="rect">
+            <a:avLst/>
+          </a:prstGeom>
+          <a:noFill/>
+          <a:ln w="9525">
+            <a:noFill/>
+            <a:miter lim="800000"/>
+            <a:headEnd/>
+            <a:tailEnd/>
+          </a:ln>
+          <a:effectLst/>
+        </p:spPr>
+      </p:pic>
     </p:spTree>
   </p:cSld>
   <p:clrMapOvr>

--- a/Project Interim Submission/updatePrivate Cloud Setup with User Storage Management.pptx
+++ b/Project Interim Submission/updatePrivate Cloud Setup with User Storage Management.pptx
@@ -9,6 +9,8 @@
     <p:sldId id="256" r:id="rId3"/>
     <p:sldId id="258" r:id="rId4"/>
     <p:sldId id="259" r:id="rId5"/>
+    <p:sldId id="260" r:id="rId6"/>
+    <p:sldId id="262" r:id="rId7"/>
   </p:sldIdLst>
   <p:sldSz cx="9144000" cy="6858000" type="screen4x3"/>
   <p:notesSz cx="6858000" cy="9144000"/>
@@ -3406,6 +3408,240 @@
           <a:xfrm>
             <a:off x="626063" y="1600200"/>
             <a:ext cx="7891873" cy="4525963"/>
+          </a:xfrm>
+          <a:prstGeom prst="rect">
+            <a:avLst/>
+          </a:prstGeom>
+          <a:noFill/>
+          <a:ln w="9525">
+            <a:noFill/>
+            <a:miter lim="800000"/>
+            <a:headEnd/>
+            <a:tailEnd/>
+          </a:ln>
+          <a:effectLst/>
+        </p:spPr>
+      </p:pic>
+    </p:spTree>
+  </p:cSld>
+  <p:clrMapOvr>
+    <a:masterClrMapping/>
+  </p:clrMapOvr>
+</p:sld>
+</file>
+
+<file path=ppt/slides/slide5.xml><?xml version="1.0" encoding="utf-8"?>
+<p:sld xmlns:a="http://schemas.openxmlformats.org/drawingml/2006/main" xmlns:r="http://schemas.openxmlformats.org/officeDocument/2006/relationships" xmlns:p="http://schemas.openxmlformats.org/presentationml/2006/main">
+  <p:cSld>
+    <p:spTree>
+      <p:nvGrpSpPr>
+        <p:cNvPr id="1" name=""/>
+        <p:cNvGrpSpPr/>
+        <p:nvPr/>
+      </p:nvGrpSpPr>
+      <p:grpSpPr>
+        <a:xfrm>
+          <a:off x="0" y="0"/>
+          <a:ext cx="0" cy="0"/>
+          <a:chOff x="0" y="0"/>
+          <a:chExt cx="0" cy="0"/>
+        </a:xfrm>
+      </p:grpSpPr>
+      <p:sp>
+        <p:nvSpPr>
+          <p:cNvPr id="2" name="Title 1"/>
+          <p:cNvSpPr>
+            <a:spLocks noGrp="1"/>
+          </p:cNvSpPr>
+          <p:nvPr>
+            <p:ph type="title"/>
+          </p:nvPr>
+        </p:nvSpPr>
+        <p:spPr/>
+        <p:txBody>
+          <a:bodyPr/>
+          <a:lstStyle/>
+          <a:p>
+            <a:r>
+              <a:rPr lang="en-US" dirty="0" smtClean="0"/>
+              <a:t>Basic Concepts</a:t>
+            </a:r>
+            <a:endParaRPr lang="en-US" dirty="0"/>
+          </a:p>
+        </p:txBody>
+      </p:sp>
+      <p:sp>
+        <p:nvSpPr>
+          <p:cNvPr id="3" name="Content Placeholder 2"/>
+          <p:cNvSpPr>
+            <a:spLocks noGrp="1"/>
+          </p:cNvSpPr>
+          <p:nvPr>
+            <p:ph idx="1"/>
+          </p:nvPr>
+        </p:nvSpPr>
+        <p:spPr/>
+        <p:txBody>
+          <a:bodyPr/>
+          <a:lstStyle/>
+          <a:p>
+            <a:r>
+              <a:rPr lang="en-US" dirty="0" smtClean="0"/>
+              <a:t>There </a:t>
+            </a:r>
+            <a:r>
+              <a:rPr lang="en-US" dirty="0" smtClean="0"/>
+              <a:t>are certain services and models working behind the scene making the cloud computing feasible and accessible to end users. Following are </a:t>
+            </a:r>
+            <a:r>
+              <a:rPr lang="en-US" dirty="0" smtClean="0"/>
+              <a:t>the </a:t>
+            </a:r>
+            <a:r>
+              <a:rPr lang="en-US" dirty="0" smtClean="0"/>
+              <a:t>working models for cloud computing: </a:t>
+            </a:r>
+            <a:endParaRPr lang="en-US" dirty="0" smtClean="0"/>
+          </a:p>
+          <a:p>
+            <a:r>
+              <a:rPr lang="en-US" dirty="0" smtClean="0"/>
+              <a:t>1. Deployment Models </a:t>
+            </a:r>
+            <a:endParaRPr lang="en-US" dirty="0" smtClean="0"/>
+          </a:p>
+          <a:p>
+            <a:r>
+              <a:rPr lang="en-US" dirty="0" smtClean="0"/>
+              <a:t>2</a:t>
+            </a:r>
+            <a:r>
+              <a:rPr lang="en-US" dirty="0" smtClean="0"/>
+              <a:t>. Service Models</a:t>
+            </a:r>
+            <a:endParaRPr lang="en-US" dirty="0"/>
+          </a:p>
+        </p:txBody>
+      </p:sp>
+    </p:spTree>
+  </p:cSld>
+  <p:clrMapOvr>
+    <a:masterClrMapping/>
+  </p:clrMapOvr>
+</p:sld>
+</file>
+
+<file path=ppt/slides/slide6.xml><?xml version="1.0" encoding="utf-8"?>
+<p:sld xmlns:a="http://schemas.openxmlformats.org/drawingml/2006/main" xmlns:r="http://schemas.openxmlformats.org/officeDocument/2006/relationships" xmlns:p="http://schemas.openxmlformats.org/presentationml/2006/main">
+  <p:cSld>
+    <p:spTree>
+      <p:nvGrpSpPr>
+        <p:cNvPr id="1" name=""/>
+        <p:cNvGrpSpPr/>
+        <p:nvPr/>
+      </p:nvGrpSpPr>
+      <p:grpSpPr>
+        <a:xfrm>
+          <a:off x="0" y="0"/>
+          <a:ext cx="0" cy="0"/>
+          <a:chOff x="0" y="0"/>
+          <a:chExt cx="0" cy="0"/>
+        </a:xfrm>
+      </p:grpSpPr>
+      <p:sp>
+        <p:nvSpPr>
+          <p:cNvPr id="2" name="Title 1"/>
+          <p:cNvSpPr>
+            <a:spLocks noGrp="1"/>
+          </p:cNvSpPr>
+          <p:nvPr>
+            <p:ph type="title"/>
+          </p:nvPr>
+        </p:nvSpPr>
+        <p:spPr>
+          <a:xfrm>
+            <a:off x="457200" y="273050"/>
+            <a:ext cx="8153400" cy="869950"/>
+          </a:xfrm>
+        </p:spPr>
+        <p:txBody>
+          <a:bodyPr/>
+          <a:lstStyle/>
+          <a:p>
+            <a:endParaRPr lang="en-US" dirty="0"/>
+          </a:p>
+        </p:txBody>
+      </p:sp>
+      <p:sp>
+        <p:nvSpPr>
+          <p:cNvPr id="4" name="Text Placeholder 3"/>
+          <p:cNvSpPr>
+            <a:spLocks noGrp="1"/>
+          </p:cNvSpPr>
+          <p:nvPr>
+            <p:ph type="body" sz="half" idx="2"/>
+          </p:nvPr>
+        </p:nvSpPr>
+        <p:spPr>
+          <a:xfrm>
+            <a:off x="457200" y="1435101"/>
+            <a:ext cx="7848600" cy="2222500"/>
+          </a:xfrm>
+        </p:spPr>
+        <p:txBody>
+          <a:bodyPr>
+            <a:normAutofit/>
+          </a:bodyPr>
+          <a:lstStyle/>
+          <a:p>
+            <a:pPr>
+              <a:buFont typeface="Arial" pitchFamily="34" charset="0"/>
+              <a:buChar char="•"/>
+            </a:pPr>
+            <a:r>
+              <a:rPr lang="en-US" sz="2400" dirty="0" smtClean="0"/>
+              <a:t>Cloud can have any of the four types of access: </a:t>
+            </a:r>
+          </a:p>
+          <a:p>
+            <a:endParaRPr lang="en-US" sz="2400" dirty="0" smtClean="0"/>
+          </a:p>
+          <a:p>
+            <a:r>
+              <a:rPr lang="en-US" sz="2400" dirty="0" smtClean="0"/>
+              <a:t>   Public</a:t>
+            </a:r>
+            <a:r>
+              <a:rPr lang="en-US" sz="2400" dirty="0" smtClean="0"/>
+              <a:t>, Private, Hybrid and Community.</a:t>
+            </a:r>
+          </a:p>
+          <a:p>
+            <a:endParaRPr lang="en-US" sz="2400" dirty="0"/>
+          </a:p>
+        </p:txBody>
+      </p:sp>
+      <p:pic>
+        <p:nvPicPr>
+          <p:cNvPr id="2050" name="Picture 2"/>
+          <p:cNvPicPr>
+            <a:picLocks noGrp="1" noChangeAspect="1" noChangeArrowheads="1"/>
+          </p:cNvPicPr>
+          <p:nvPr>
+            <p:ph idx="1"/>
+          </p:nvPr>
+        </p:nvPicPr>
+        <p:blipFill>
+          <a:blip r:embed="rId2"/>
+          <a:srcRect/>
+          <a:stretch>
+            <a:fillRect/>
+          </a:stretch>
+        </p:blipFill>
+        <p:spPr bwMode="auto">
+          <a:xfrm>
+            <a:off x="1066800" y="2895600"/>
+            <a:ext cx="5486400" cy="3683541"/>
           </a:xfrm>
           <a:prstGeom prst="rect">
             <a:avLst/>
